--- a/P6-Project_Presentation/bowling-buddy presentation.pptx
+++ b/P6-Project_Presentation/bowling-buddy presentation.pptx
@@ -5769,7 +5769,7 @@
             </a:pPr>
             <a:r>
               <a:rPr lang="en-US" dirty="0"/>
-              <a:t>Bowling Buddy is stat tracking app for bowlers who are looking to improve their game. Bowling is a challenging sport to become consistent at. Bowling Buddy helps users see where they are struggling and which areas to focus on in practice.</a:t>
+              <a:t>Bowling Buddy is a stat tracking app for bowlers who are looking to improve their game. Bowling is a challenging sport to become consistent at. Bowling Buddy helps users see where they are struggling and which areas to focus on in practice.</a:t>
             </a:r>
             <a:endParaRPr lang="en" dirty="0"/>
           </a:p>
@@ -5950,7 +5950,7 @@
             </a:pPr>
             <a:r>
               <a:rPr lang="en-US" sz="1600" dirty="0"/>
-              <a:t>Manage your settings – edit, add or delete balls, alley and game types </a:t>
+              <a:t>Manage your settings – edit, add or delete balls, alleys and game types </a:t>
             </a:r>
             <a:endParaRPr lang="en" sz="1600" dirty="0"/>
           </a:p>
@@ -6047,7 +6047,14 @@
             <a:pPr marL="285750" indent="-285750"/>
             <a:r>
               <a:rPr lang="en-US" sz="1600" dirty="0"/>
-              <a:t>I just got back into bowling and I was struggling to get consistent. I wanted something that I could track my scores and stats to see where I needed to improve.</a:t>
+              <a:t>I just got back into bowling and joined a bowling league. I was struggling to become consistent and really felt like I was letting the team down. </a:t>
+            </a:r>
+          </a:p>
+          <a:p>
+            <a:pPr marL="285750" indent="-285750"/>
+            <a:r>
+              <a:rPr lang="en-US" sz="1600" dirty="0"/>
+              <a:t>I wanted something that I could track my scores and stats to see where I needed to improve during practice.</a:t>
             </a:r>
           </a:p>
           <a:p>
@@ -6651,7 +6658,7 @@
             </a:pPr>
             <a:r>
               <a:rPr lang="en-US" dirty="0"/>
-              <a:t>React.js – Got a solid understanding of Hooks</a:t>
+              <a:t>React.js – Got a solid understanding of the library, especially Hooks</a:t>
             </a:r>
           </a:p>
           <a:p>
